--- a/2019-1-6/[PRD-15]需求工程项目计划.pptx
+++ b/2019-1-6/[PRD-15]需求工程项目计划.pptx
@@ -5,28 +5,27 @@
     <p:sldMasterId id="2147483648" r:id="rId1"/>
   </p:sldMasterIdLst>
   <p:notesMasterIdLst>
-    <p:notesMasterId r:id="rId9"/>
+    <p:notesMasterId r:id="rId8"/>
   </p:notesMasterIdLst>
   <p:sldIdLst>
-    <p:sldId id="373" r:id="rId2"/>
-    <p:sldId id="383" r:id="rId3"/>
-    <p:sldId id="420" r:id="rId4"/>
-    <p:sldId id="421" r:id="rId5"/>
-    <p:sldId id="422" r:id="rId6"/>
-    <p:sldId id="423" r:id="rId7"/>
-    <p:sldId id="424" r:id="rId8"/>
+    <p:sldId id="383" r:id="rId2"/>
+    <p:sldId id="420" r:id="rId3"/>
+    <p:sldId id="421" r:id="rId4"/>
+    <p:sldId id="422" r:id="rId5"/>
+    <p:sldId id="423" r:id="rId6"/>
+    <p:sldId id="424" r:id="rId7"/>
   </p:sldIdLst>
   <p:sldSz cx="12192000" cy="6858000"/>
   <p:notesSz cx="6858000" cy="9144000"/>
   <p:embeddedFontLst>
     <p:embeddedFont>
       <p:font typeface="等线" panose="02010600030101010101" pitchFamily="2" charset="-122"/>
-      <p:regular r:id="rId10"/>
-      <p:bold r:id="rId11"/>
+      <p:regular r:id="rId9"/>
+      <p:bold r:id="rId10"/>
     </p:embeddedFont>
     <p:embeddedFont>
       <p:font typeface="黑体" panose="02010609060101010101" pitchFamily="49" charset="-122"/>
-      <p:regular r:id="rId12"/>
+      <p:regular r:id="rId11"/>
     </p:embeddedFont>
   </p:embeddedFontLst>
   <p:defaultTextStyle>
@@ -576,7 +575,7 @@
           <a:p>
             <a:fld id="{74B31000-9408-426B-B873-D4C066E48AF8}" type="slidenum">
               <a:rPr lang="zh-CN" altLang="en-US" smtClean="0"/>
-              <a:t>2</a:t>
+              <a:t>1</a:t>
             </a:fld>
             <a:endParaRPr lang="zh-CN" altLang="en-US"/>
           </a:p>
@@ -663,7 +662,7 @@
           <a:p>
             <a:fld id="{74B31000-9408-426B-B873-D4C066E48AF8}" type="slidenum">
               <a:rPr lang="zh-CN" altLang="en-US" smtClean="0"/>
-              <a:t>3</a:t>
+              <a:t>2</a:t>
             </a:fld>
             <a:endParaRPr lang="zh-CN" altLang="en-US"/>
           </a:p>
@@ -728,7 +727,7 @@
           <a:p>
             <a:r>
               <a:rPr lang="zh-CN" altLang="en-US" dirty="0"/>
-              <a:t>这是我们用户手册的大致的目录，具体的可以打开文档看看。文档一共</a:t>
+              <a:t>这是我们初步的用户手册的大致的目录，具体的可以打开文档看看。文档一共</a:t>
             </a:r>
             <a:r>
               <a:rPr lang="en-US" altLang="zh-CN" dirty="0"/>
@@ -758,7 +757,7 @@
           <a:p>
             <a:fld id="{74B31000-9408-426B-B873-D4C066E48AF8}" type="slidenum">
               <a:rPr lang="zh-CN" altLang="en-US" smtClean="0"/>
-              <a:t>4</a:t>
+              <a:t>3</a:t>
             </a:fld>
             <a:endParaRPr lang="zh-CN" altLang="en-US"/>
           </a:p>
@@ -842,7 +841,7 @@
           <a:p>
             <a:fld id="{74B31000-9408-426B-B873-D4C066E48AF8}" type="slidenum">
               <a:rPr lang="zh-CN" altLang="en-US" smtClean="0"/>
-              <a:t>5</a:t>
+              <a:t>4</a:t>
             </a:fld>
             <a:endParaRPr lang="zh-CN" altLang="en-US"/>
           </a:p>
@@ -905,6 +904,66 @@
           <a:bodyPr/>
           <a:lstStyle/>
           <a:p>
+            <a:r>
+              <a:rPr lang="zh-CN" altLang="en-US" sz="1200" dirty="0">
+                <a:solidFill>
+                  <a:schemeClr val="bg1"/>
+                </a:solidFill>
+                <a:latin typeface="黑体" panose="02010609060101010101" pitchFamily="49" charset="-122"/>
+                <a:ea typeface="黑体" panose="02010609060101010101" pitchFamily="49" charset="-122"/>
+              </a:rPr>
+              <a:t>当前的</a:t>
+            </a:r>
+            <a:r>
+              <a:rPr lang="en-US" altLang="zh-CN" sz="1200" dirty="0">
+                <a:solidFill>
+                  <a:schemeClr val="bg1"/>
+                </a:solidFill>
+                <a:latin typeface="黑体" panose="02010609060101010101" pitchFamily="49" charset="-122"/>
+                <a:ea typeface="黑体" panose="02010609060101010101" pitchFamily="49" charset="-122"/>
+              </a:rPr>
+              <a:t>SRS</a:t>
+            </a:r>
+            <a:r>
+              <a:rPr lang="zh-CN" altLang="en-US" sz="1200" dirty="0">
+                <a:solidFill>
+                  <a:schemeClr val="bg1"/>
+                </a:solidFill>
+                <a:latin typeface="黑体" panose="02010609060101010101" pitchFamily="49" charset="-122"/>
+                <a:ea typeface="黑体" panose="02010609060101010101" pitchFamily="49" charset="-122"/>
+              </a:rPr>
+              <a:t>文件状态为草稿状态，版本为</a:t>
+            </a:r>
+            <a:r>
+              <a:rPr lang="en-US" altLang="zh-CN" sz="1200" dirty="0">
+                <a:solidFill>
+                  <a:schemeClr val="bg1"/>
+                </a:solidFill>
+                <a:latin typeface="黑体" panose="02010609060101010101" pitchFamily="49" charset="-122"/>
+                <a:ea typeface="黑体" panose="02010609060101010101" pitchFamily="49" charset="-122"/>
+              </a:rPr>
+              <a:t>0.1.0.</a:t>
+            </a:r>
+            <a:r>
+              <a:rPr lang="zh-CN" altLang="en-US" sz="1200" dirty="0">
+                <a:solidFill>
+                  <a:schemeClr val="bg1"/>
+                </a:solidFill>
+                <a:latin typeface="黑体" panose="02010609060101010101" pitchFamily="49" charset="-122"/>
+                <a:ea typeface="黑体" panose="02010609060101010101" pitchFamily="49" charset="-122"/>
+              </a:rPr>
+              <a:t>当正式发布时，版本号将为</a:t>
+            </a:r>
+            <a:r>
+              <a:rPr lang="en-US" altLang="zh-CN" sz="1200" dirty="0">
+                <a:solidFill>
+                  <a:schemeClr val="bg1"/>
+                </a:solidFill>
+                <a:latin typeface="黑体" panose="02010609060101010101" pitchFamily="49" charset="-122"/>
+                <a:ea typeface="黑体" panose="02010609060101010101" pitchFamily="49" charset="-122"/>
+              </a:rPr>
+              <a:t>1.0.0</a:t>
+            </a:r>
             <a:endParaRPr lang="zh-CN" altLang="en-US" dirty="0"/>
           </a:p>
         </p:txBody>
@@ -926,7 +985,7 @@
           <a:p>
             <a:fld id="{74B31000-9408-426B-B873-D4C066E48AF8}" type="slidenum">
               <a:rPr lang="zh-CN" altLang="en-US" smtClean="0"/>
-              <a:t>6</a:t>
+              <a:t>5</a:t>
             </a:fld>
             <a:endParaRPr lang="zh-CN" altLang="en-US"/>
           </a:p>
@@ -989,6 +1048,55 @@
           <a:bodyPr/>
           <a:lstStyle/>
           <a:p>
+            <a:pPr marL="0" marR="0" lvl="0" indent="0" algn="l" defTabSz="914400" rtl="0" eaLnBrk="1" fontAlgn="auto" latinLnBrk="0" hangingPunct="1">
+              <a:lnSpc>
+                <a:spcPct val="100000"/>
+              </a:lnSpc>
+              <a:spcBef>
+                <a:spcPts val="0"/>
+              </a:spcBef>
+              <a:spcAft>
+                <a:spcPts val="0"/>
+              </a:spcAft>
+              <a:buClrTx/>
+              <a:buSzTx/>
+              <a:buFontTx/>
+              <a:buNone/>
+              <a:tabLst/>
+              <a:defRPr/>
+            </a:pPr>
+            <a:r>
+              <a:rPr lang="zh-CN" altLang="en-US" sz="1200" dirty="0">
+                <a:solidFill>
+                  <a:schemeClr val="bg1"/>
+                </a:solidFill>
+                <a:latin typeface="黑体" panose="02010609060101010101" pitchFamily="49" charset="-122"/>
+                <a:ea typeface="黑体" panose="02010609060101010101" pitchFamily="49" charset="-122"/>
+              </a:rPr>
+              <a:t>我们已经将需求规格说明书上传到</a:t>
+            </a:r>
+            <a:r>
+              <a:rPr lang="en-US" altLang="zh-CN" sz="1200" dirty="0" err="1">
+                <a:solidFill>
+                  <a:schemeClr val="bg1"/>
+                </a:solidFill>
+                <a:latin typeface="黑体" panose="02010609060101010101" pitchFamily="49" charset="-122"/>
+                <a:ea typeface="黑体" panose="02010609060101010101" pitchFamily="49" charset="-122"/>
+              </a:rPr>
+              <a:t>github</a:t>
+            </a:r>
+            <a:r>
+              <a:rPr lang="zh-CN" altLang="en-US" sz="1200" dirty="0">
+                <a:solidFill>
+                  <a:schemeClr val="bg1"/>
+                </a:solidFill>
+                <a:latin typeface="黑体" panose="02010609060101010101" pitchFamily="49" charset="-122"/>
+                <a:ea typeface="黑体" panose="02010609060101010101" pitchFamily="49" charset="-122"/>
+              </a:rPr>
+              <a:t>中的团队项目里</a:t>
+            </a:r>
+          </a:p>
+          <a:p>
             <a:endParaRPr lang="zh-CN" altLang="en-US" dirty="0"/>
           </a:p>
         </p:txBody>
@@ -1010,7 +1118,7 @@
           <a:p>
             <a:fld id="{74B31000-9408-426B-B873-D4C066E48AF8}" type="slidenum">
               <a:rPr lang="zh-CN" altLang="en-US" smtClean="0"/>
-              <a:t>7</a:t>
+              <a:t>6</a:t>
             </a:fld>
             <a:endParaRPr lang="zh-CN" altLang="en-US"/>
           </a:p>
@@ -1434,348 +1542,6 @@
       </p:grpSpPr>
       <p:sp>
         <p:nvSpPr>
-          <p:cNvPr id="12" name="任意多边形 11"/>
-          <p:cNvSpPr/>
-          <p:nvPr/>
-        </p:nvSpPr>
-        <p:spPr>
-          <a:xfrm>
-            <a:off x="4696432" y="1097600"/>
-            <a:ext cx="7495569" cy="5760400"/>
-          </a:xfrm>
-          <a:custGeom>
-            <a:avLst/>
-            <a:gdLst>
-              <a:gd name="connsiteX0" fmla="*/ 4052585 w 7495569"/>
-              <a:gd name="connsiteY0" fmla="*/ 0 h 5760400"/>
-              <a:gd name="connsiteX1" fmla="*/ 7413052 w 7495569"/>
-              <a:gd name="connsiteY1" fmla="*/ 1786746 h 5760400"/>
-              <a:gd name="connsiteX2" fmla="*/ 7495569 w 7495569"/>
-              <a:gd name="connsiteY2" fmla="*/ 1922573 h 5760400"/>
-              <a:gd name="connsiteX3" fmla="*/ 7495569 w 7495569"/>
-              <a:gd name="connsiteY3" fmla="*/ 5760400 h 5760400"/>
-              <a:gd name="connsiteX4" fmla="*/ 381273 w 7495569"/>
-              <a:gd name="connsiteY4" fmla="*/ 5760400 h 5760400"/>
-              <a:gd name="connsiteX5" fmla="*/ 318473 w 7495569"/>
-              <a:gd name="connsiteY5" fmla="*/ 5630034 h 5760400"/>
-              <a:gd name="connsiteX6" fmla="*/ 0 w 7495569"/>
-              <a:gd name="connsiteY6" fmla="*/ 4052585 h 5760400"/>
-              <a:gd name="connsiteX7" fmla="*/ 4052585 w 7495569"/>
-              <a:gd name="connsiteY7" fmla="*/ 0 h 5760400"/>
-            </a:gdLst>
-            <a:ahLst/>
-            <a:cxnLst>
-              <a:cxn ang="0">
-                <a:pos x="connsiteX0" y="connsiteY0"/>
-              </a:cxn>
-              <a:cxn ang="0">
-                <a:pos x="connsiteX1" y="connsiteY1"/>
-              </a:cxn>
-              <a:cxn ang="0">
-                <a:pos x="connsiteX2" y="connsiteY2"/>
-              </a:cxn>
-              <a:cxn ang="0">
-                <a:pos x="connsiteX3" y="connsiteY3"/>
-              </a:cxn>
-              <a:cxn ang="0">
-                <a:pos x="connsiteX4" y="connsiteY4"/>
-              </a:cxn>
-              <a:cxn ang="0">
-                <a:pos x="connsiteX5" y="connsiteY5"/>
-              </a:cxn>
-              <a:cxn ang="0">
-                <a:pos x="connsiteX6" y="connsiteY6"/>
-              </a:cxn>
-              <a:cxn ang="0">
-                <a:pos x="connsiteX7" y="connsiteY7"/>
-              </a:cxn>
-            </a:cxnLst>
-            <a:rect l="l" t="t" r="r" b="b"/>
-            <a:pathLst>
-              <a:path w="7495569" h="5760400">
-                <a:moveTo>
-                  <a:pt x="4052585" y="0"/>
-                </a:moveTo>
-                <a:cubicBezTo>
-                  <a:pt x="5451448" y="0"/>
-                  <a:pt x="6684773" y="708752"/>
-                  <a:pt x="7413052" y="1786746"/>
-                </a:cubicBezTo>
-                <a:lnTo>
-                  <a:pt x="7495569" y="1922573"/>
-                </a:lnTo>
-                <a:lnTo>
-                  <a:pt x="7495569" y="5760400"/>
-                </a:lnTo>
-                <a:lnTo>
-                  <a:pt x="381273" y="5760400"/>
-                </a:lnTo>
-                <a:lnTo>
-                  <a:pt x="318473" y="5630034"/>
-                </a:lnTo>
-                <a:cubicBezTo>
-                  <a:pt x="113401" y="5145190"/>
-                  <a:pt x="0" y="4612131"/>
-                  <a:pt x="0" y="4052585"/>
-                </a:cubicBezTo>
-                <a:cubicBezTo>
-                  <a:pt x="0" y="1814404"/>
-                  <a:pt x="1814404" y="0"/>
-                  <a:pt x="4052585" y="0"/>
-                </a:cubicBezTo>
-                <a:close/>
-              </a:path>
-            </a:pathLst>
-          </a:custGeom>
-          <a:solidFill>
-            <a:srgbClr val="6C92C0">
-              <a:alpha val="70000"/>
-            </a:srgbClr>
-          </a:solidFill>
-          <a:ln>
-            <a:noFill/>
-          </a:ln>
-        </p:spPr>
-        <p:style>
-          <a:lnRef idx="2">
-            <a:schemeClr val="accent1">
-              <a:shade val="50000"/>
-            </a:schemeClr>
-          </a:lnRef>
-          <a:fillRef idx="1">
-            <a:schemeClr val="accent1"/>
-          </a:fillRef>
-          <a:effectRef idx="0">
-            <a:schemeClr val="accent1"/>
-          </a:effectRef>
-          <a:fontRef idx="minor">
-            <a:schemeClr val="lt1"/>
-          </a:fontRef>
-        </p:style>
-        <p:txBody>
-          <a:bodyPr rtlCol="0" anchor="ctr"/>
-          <a:lstStyle/>
-          <a:p>
-            <a:pPr algn="ctr"/>
-            <a:endParaRPr lang="zh-CN" altLang="en-US"/>
-          </a:p>
-        </p:txBody>
-      </p:sp>
-      <p:sp>
-        <p:nvSpPr>
-          <p:cNvPr id="9" name="任意多边形 8"/>
-          <p:cNvSpPr/>
-          <p:nvPr/>
-        </p:nvSpPr>
-        <p:spPr>
-          <a:xfrm>
-            <a:off x="15127" y="0"/>
-            <a:ext cx="11829889" cy="6022170"/>
-          </a:xfrm>
-          <a:custGeom>
-            <a:avLst/>
-            <a:gdLst>
-              <a:gd name="connsiteX0" fmla="*/ 0 w 11829889"/>
-              <a:gd name="connsiteY0" fmla="*/ 0 h 6022170"/>
-              <a:gd name="connsiteX1" fmla="*/ 11829889 w 11829889"/>
-              <a:gd name="connsiteY1" fmla="*/ 0 h 6022170"/>
-              <a:gd name="connsiteX2" fmla="*/ 11638999 w 11829889"/>
-              <a:gd name="connsiteY2" fmla="*/ 372708 h 6022170"/>
-              <a:gd name="connsiteX3" fmla="*/ 2146897 w 11829889"/>
-              <a:gd name="connsiteY3" fmla="*/ 6022170 h 6022170"/>
-              <a:gd name="connsiteX4" fmla="*/ 502925 w 11829889"/>
-              <a:gd name="connsiteY4" fmla="*/ 5897788 h 6022170"/>
-              <a:gd name="connsiteX5" fmla="*/ 0 w 11829889"/>
-              <a:gd name="connsiteY5" fmla="*/ 5807975 h 6022170"/>
-            </a:gdLst>
-            <a:ahLst/>
-            <a:cxnLst>
-              <a:cxn ang="0">
-                <a:pos x="connsiteX0" y="connsiteY0"/>
-              </a:cxn>
-              <a:cxn ang="0">
-                <a:pos x="connsiteX1" y="connsiteY1"/>
-              </a:cxn>
-              <a:cxn ang="0">
-                <a:pos x="connsiteX2" y="connsiteY2"/>
-              </a:cxn>
-              <a:cxn ang="0">
-                <a:pos x="connsiteX3" y="connsiteY3"/>
-              </a:cxn>
-              <a:cxn ang="0">
-                <a:pos x="connsiteX4" y="connsiteY4"/>
-              </a:cxn>
-              <a:cxn ang="0">
-                <a:pos x="connsiteX5" y="connsiteY5"/>
-              </a:cxn>
-            </a:cxnLst>
-            <a:rect l="l" t="t" r="r" b="b"/>
-            <a:pathLst>
-              <a:path w="11829889" h="6022170">
-                <a:moveTo>
-                  <a:pt x="0" y="0"/>
-                </a:moveTo>
-                <a:lnTo>
-                  <a:pt x="11829889" y="0"/>
-                </a:lnTo>
-                <a:lnTo>
-                  <a:pt x="11638999" y="372708"/>
-                </a:lnTo>
-                <a:cubicBezTo>
-                  <a:pt x="9810981" y="3737782"/>
-                  <a:pt x="6245713" y="6022170"/>
-                  <a:pt x="2146897" y="6022170"/>
-                </a:cubicBezTo>
-                <a:cubicBezTo>
-                  <a:pt x="1587968" y="6022170"/>
-                  <a:pt x="1038959" y="5979692"/>
-                  <a:pt x="502925" y="5897788"/>
-                </a:cubicBezTo>
-                <a:lnTo>
-                  <a:pt x="0" y="5807975"/>
-                </a:lnTo>
-                <a:close/>
-              </a:path>
-            </a:pathLst>
-          </a:custGeom>
-          <a:solidFill>
-            <a:srgbClr val="48A2A0">
-              <a:alpha val="70000"/>
-            </a:srgbClr>
-          </a:solidFill>
-          <a:ln>
-            <a:noFill/>
-          </a:ln>
-        </p:spPr>
-        <p:style>
-          <a:lnRef idx="2">
-            <a:schemeClr val="accent1">
-              <a:shade val="50000"/>
-            </a:schemeClr>
-          </a:lnRef>
-          <a:fillRef idx="1">
-            <a:schemeClr val="accent1"/>
-          </a:fillRef>
-          <a:effectRef idx="0">
-            <a:schemeClr val="accent1"/>
-          </a:effectRef>
-          <a:fontRef idx="minor">
-            <a:schemeClr val="lt1"/>
-          </a:fontRef>
-        </p:style>
-        <p:txBody>
-          <a:bodyPr rtlCol="0" anchor="ctr"/>
-          <a:lstStyle/>
-          <a:p>
-            <a:pPr algn="ctr"/>
-            <a:endParaRPr lang="zh-CN" altLang="en-US"/>
-          </a:p>
-        </p:txBody>
-      </p:sp>
-      <p:sp>
-        <p:nvSpPr>
-          <p:cNvPr id="10" name="矩形 9"/>
-          <p:cNvSpPr/>
-          <p:nvPr/>
-        </p:nvSpPr>
-        <p:spPr>
-          <a:xfrm>
-            <a:off x="737021" y="2330659"/>
-            <a:ext cx="2406428" cy="923330"/>
-          </a:xfrm>
-          <a:prstGeom prst="rect">
-            <a:avLst/>
-          </a:prstGeom>
-        </p:spPr>
-        <p:txBody>
-          <a:bodyPr wrap="none">
-            <a:spAutoFit/>
-          </a:bodyPr>
-          <a:lstStyle/>
-          <a:p>
-            <a:r>
-              <a:rPr lang="en-US" altLang="zh-CN" sz="5400" b="1" dirty="0">
-                <a:solidFill>
-                  <a:schemeClr val="bg1"/>
-                </a:solidFill>
-                <a:latin typeface="Gotham Rounded Medium" panose="02000000000000000000" pitchFamily="50" charset="0"/>
-              </a:rPr>
-              <a:t>1.</a:t>
-            </a:r>
-            <a:r>
-              <a:rPr lang="zh-CN" altLang="en-US" sz="5400" b="1" dirty="0">
-                <a:solidFill>
-                  <a:schemeClr val="bg1"/>
-                </a:solidFill>
-                <a:latin typeface="Gotham Rounded Medium" panose="02000000000000000000" pitchFamily="50" charset="0"/>
-              </a:rPr>
-              <a:t>引言</a:t>
-            </a:r>
-            <a:endParaRPr lang="zh-CN" altLang="en-US" sz="5400" dirty="0"/>
-          </a:p>
-        </p:txBody>
-      </p:sp>
-      <p:sp>
-        <p:nvSpPr>
-          <p:cNvPr id="14" name="矩形 13"/>
-          <p:cNvSpPr/>
-          <p:nvPr/>
-        </p:nvSpPr>
-        <p:spPr>
-          <a:xfrm>
-            <a:off x="1797830" y="4348475"/>
-            <a:ext cx="184731" cy="369332"/>
-          </a:xfrm>
-          <a:prstGeom prst="rect">
-            <a:avLst/>
-          </a:prstGeom>
-        </p:spPr>
-        <p:txBody>
-          <a:bodyPr wrap="none">
-            <a:spAutoFit/>
-          </a:bodyPr>
-          <a:lstStyle/>
-          <a:p>
-            <a:endParaRPr lang="zh-CN" altLang="en-US" dirty="0">
-              <a:solidFill>
-                <a:schemeClr val="bg1"/>
-              </a:solidFill>
-            </a:endParaRPr>
-          </a:p>
-        </p:txBody>
-      </p:sp>
-    </p:spTree>
-    <p:extLst>
-      <p:ext uri="{BB962C8B-B14F-4D97-AF65-F5344CB8AC3E}">
-        <p14:creationId xmlns:p14="http://schemas.microsoft.com/office/powerpoint/2010/main" val="3532736485"/>
-      </p:ext>
-    </p:extLst>
-  </p:cSld>
-  <p:clrMapOvr>
-    <a:masterClrMapping/>
-  </p:clrMapOvr>
-</p:sld>
-</file>
-
-<file path=ppt/slides/slide2.xml><?xml version="1.0" encoding="utf-8"?>
-<p:sld xmlns:a="http://schemas.openxmlformats.org/drawingml/2006/main" xmlns:r="http://schemas.openxmlformats.org/officeDocument/2006/relationships" xmlns:p="http://schemas.openxmlformats.org/presentationml/2006/main">
-  <p:cSld>
-    <p:spTree>
-      <p:nvGrpSpPr>
-        <p:cNvPr id="1" name=""/>
-        <p:cNvGrpSpPr/>
-        <p:nvPr/>
-      </p:nvGrpSpPr>
-      <p:grpSpPr>
-        <a:xfrm>
-          <a:off x="0" y="0"/>
-          <a:ext cx="0" cy="0"/>
-          <a:chOff x="0" y="0"/>
-          <a:chExt cx="0" cy="0"/>
-        </a:xfrm>
-      </p:grpSpPr>
-      <p:sp>
-        <p:nvSpPr>
           <p:cNvPr id="11" name="椭圆 10">
             <a:extLst>
               <a:ext uri="{FF2B5EF4-FFF2-40B4-BE49-F238E27FC236}">
@@ -2020,7 +1786,7 @@
 </p:sld>
 </file>
 
-<file path=ppt/slides/slide3.xml><?xml version="1.0" encoding="utf-8"?>
+<file path=ppt/slides/slide2.xml><?xml version="1.0" encoding="utf-8"?>
 <p:sld xmlns:a="http://schemas.openxmlformats.org/drawingml/2006/main" xmlns:r="http://schemas.openxmlformats.org/officeDocument/2006/relationships" xmlns:p="http://schemas.openxmlformats.org/presentationml/2006/main">
   <p:cSld>
     <p:spTree>
@@ -2283,7 +2049,7 @@
 </p:sld>
 </file>
 
-<file path=ppt/slides/slide4.xml><?xml version="1.0" encoding="utf-8"?>
+<file path=ppt/slides/slide3.xml><?xml version="1.0" encoding="utf-8"?>
 <p:sld xmlns:a="http://schemas.openxmlformats.org/drawingml/2006/main" xmlns:r="http://schemas.openxmlformats.org/officeDocument/2006/relationships" xmlns:p="http://schemas.openxmlformats.org/presentationml/2006/main">
   <p:cSld>
     <p:spTree>
@@ -2546,7 +2312,7 @@
 </p:sld>
 </file>
 
-<file path=ppt/slides/slide5.xml><?xml version="1.0" encoding="utf-8"?>
+<file path=ppt/slides/slide4.xml><?xml version="1.0" encoding="utf-8"?>
 <p:sld xmlns:a="http://schemas.openxmlformats.org/drawingml/2006/main" xmlns:r="http://schemas.openxmlformats.org/officeDocument/2006/relationships" xmlns:p="http://schemas.openxmlformats.org/presentationml/2006/main">
   <p:cSld>
     <p:spTree>
@@ -2727,6 +2493,278 @@
           </a:p>
         </p:txBody>
       </p:sp>
+      <p:sp>
+        <p:nvSpPr>
+          <p:cNvPr id="5" name="矩形 4">
+            <a:extLst>
+              <a:ext uri="{FF2B5EF4-FFF2-40B4-BE49-F238E27FC236}">
+                <a16:creationId xmlns:a16="http://schemas.microsoft.com/office/drawing/2014/main" id="{1D117202-F8D8-49F2-B85E-D3E104A44D0F}"/>
+              </a:ext>
+            </a:extLst>
+          </p:cNvPr>
+          <p:cNvSpPr/>
+          <p:nvPr/>
+        </p:nvSpPr>
+        <p:spPr>
+          <a:xfrm>
+            <a:off x="1575111" y="984739"/>
+            <a:ext cx="8360196" cy="2523392"/>
+          </a:xfrm>
+          <a:prstGeom prst="rect">
+            <a:avLst/>
+          </a:prstGeom>
+          <a:solidFill>
+            <a:schemeClr val="bg2">
+              <a:lumMod val="25000"/>
+              <a:alpha val="70000"/>
+            </a:schemeClr>
+          </a:solidFill>
+          <a:ln>
+            <a:noFill/>
+          </a:ln>
+        </p:spPr>
+        <p:style>
+          <a:lnRef idx="2">
+            <a:schemeClr val="accent1">
+              <a:shade val="50000"/>
+            </a:schemeClr>
+          </a:lnRef>
+          <a:fillRef idx="1">
+            <a:schemeClr val="accent1"/>
+          </a:fillRef>
+          <a:effectRef idx="0">
+            <a:schemeClr val="accent1"/>
+          </a:effectRef>
+          <a:fontRef idx="minor">
+            <a:schemeClr val="lt1"/>
+          </a:fontRef>
+        </p:style>
+        <p:txBody>
+          <a:bodyPr rtlCol="0" anchor="ctr"/>
+          <a:lstStyle/>
+          <a:p>
+            <a:pPr algn="ctr"/>
+            <a:endParaRPr lang="zh-CN" altLang="en-US" dirty="0">
+              <a:solidFill>
+                <a:schemeClr val="bg1"/>
+              </a:solidFill>
+            </a:endParaRPr>
+          </a:p>
+        </p:txBody>
+      </p:sp>
+      <p:sp>
+        <p:nvSpPr>
+          <p:cNvPr id="6" name="文本框 5">
+            <a:extLst>
+              <a:ext uri="{FF2B5EF4-FFF2-40B4-BE49-F238E27FC236}">
+                <a16:creationId xmlns:a16="http://schemas.microsoft.com/office/drawing/2014/main" id="{AACD6CFF-7E6B-4A58-8197-ADCEDA9B1B5B}"/>
+              </a:ext>
+            </a:extLst>
+          </p:cNvPr>
+          <p:cNvSpPr txBox="1"/>
+          <p:nvPr/>
+        </p:nvSpPr>
+        <p:spPr>
+          <a:xfrm>
+            <a:off x="1575111" y="984739"/>
+            <a:ext cx="8513347" cy="1200329"/>
+          </a:xfrm>
+          <a:prstGeom prst="rect">
+            <a:avLst/>
+          </a:prstGeom>
+        </p:spPr>
+        <p:txBody>
+          <a:bodyPr rot="0" spcFirstLastPara="0" vertOverflow="overflow" horzOverflow="overflow" vert="horz" wrap="square" lIns="91440" tIns="45720" rIns="91440" bIns="45720" numCol="1" spcCol="0" rtlCol="0" fromWordArt="0" anchor="t" anchorCtr="0" forceAA="0" compatLnSpc="1">
+            <a:prstTxWarp prst="textNoShape">
+              <a:avLst/>
+            </a:prstTxWarp>
+            <a:spAutoFit/>
+          </a:bodyPr>
+          <a:lstStyle/>
+          <a:p>
+            <a:r>
+              <a:rPr lang="en-US" altLang="zh-CN" sz="2400" dirty="0">
+                <a:solidFill>
+                  <a:schemeClr val="bg1"/>
+                </a:solidFill>
+                <a:latin typeface="黑体" panose="02010609060101010101" pitchFamily="49" charset="-122"/>
+                <a:ea typeface="黑体" panose="02010609060101010101" pitchFamily="49" charset="-122"/>
+              </a:rPr>
+              <a:t>   2019</a:t>
+            </a:r>
+            <a:r>
+              <a:rPr lang="zh-CN" altLang="en-US" sz="2400" dirty="0">
+                <a:solidFill>
+                  <a:schemeClr val="bg1"/>
+                </a:solidFill>
+                <a:latin typeface="黑体" panose="02010609060101010101" pitchFamily="49" charset="-122"/>
+                <a:ea typeface="黑体" panose="02010609060101010101" pitchFamily="49" charset="-122"/>
+              </a:rPr>
+              <a:t>年</a:t>
+            </a:r>
+            <a:r>
+              <a:rPr lang="en-US" altLang="zh-CN" sz="2400" dirty="0">
+                <a:solidFill>
+                  <a:schemeClr val="bg1"/>
+                </a:solidFill>
+                <a:latin typeface="黑体" panose="02010609060101010101" pitchFamily="49" charset="-122"/>
+                <a:ea typeface="黑体" panose="02010609060101010101" pitchFamily="49" charset="-122"/>
+              </a:rPr>
+              <a:t>1</a:t>
+            </a:r>
+            <a:r>
+              <a:rPr lang="zh-CN" altLang="en-US" sz="2400" dirty="0">
+                <a:solidFill>
+                  <a:schemeClr val="bg1"/>
+                </a:solidFill>
+                <a:latin typeface="黑体" panose="02010609060101010101" pitchFamily="49" charset="-122"/>
+                <a:ea typeface="黑体" panose="02010609060101010101" pitchFamily="49" charset="-122"/>
+              </a:rPr>
+              <a:t>月</a:t>
+            </a:r>
+            <a:r>
+              <a:rPr lang="en-US" altLang="zh-CN" sz="2400" dirty="0">
+                <a:solidFill>
+                  <a:schemeClr val="bg1"/>
+                </a:solidFill>
+                <a:latin typeface="黑体" panose="02010609060101010101" pitchFamily="49" charset="-122"/>
+                <a:ea typeface="黑体" panose="02010609060101010101" pitchFamily="49" charset="-122"/>
+              </a:rPr>
+              <a:t>3</a:t>
+            </a:r>
+            <a:r>
+              <a:rPr lang="zh-CN" altLang="en-US" sz="2400" dirty="0">
+                <a:solidFill>
+                  <a:schemeClr val="bg1"/>
+                </a:solidFill>
+                <a:latin typeface="黑体" panose="02010609060101010101" pitchFamily="49" charset="-122"/>
+                <a:ea typeface="黑体" panose="02010609060101010101" pitchFamily="49" charset="-122"/>
+              </a:rPr>
+              <a:t>日，小组在理四四楼召开了小组</a:t>
+            </a:r>
+            <a:r>
+              <a:rPr lang="en-US" altLang="zh-CN" sz="2400" dirty="0">
+                <a:solidFill>
+                  <a:schemeClr val="bg1"/>
+                </a:solidFill>
+                <a:latin typeface="黑体" panose="02010609060101010101" pitchFamily="49" charset="-122"/>
+                <a:ea typeface="黑体" panose="02010609060101010101" pitchFamily="49" charset="-122"/>
+              </a:rPr>
+              <a:t>SRS</a:t>
+            </a:r>
+            <a:r>
+              <a:rPr lang="zh-CN" altLang="en-US" sz="2400" dirty="0">
+                <a:solidFill>
+                  <a:schemeClr val="bg1"/>
+                </a:solidFill>
+                <a:latin typeface="黑体" panose="02010609060101010101" pitchFamily="49" charset="-122"/>
+                <a:ea typeface="黑体" panose="02010609060101010101" pitchFamily="49" charset="-122"/>
+              </a:rPr>
+              <a:t>内部评审会议。主要对</a:t>
+            </a:r>
+            <a:r>
+              <a:rPr lang="en-US" altLang="zh-CN" sz="2400" dirty="0">
+                <a:solidFill>
+                  <a:schemeClr val="bg1"/>
+                </a:solidFill>
+                <a:latin typeface="黑体" panose="02010609060101010101" pitchFamily="49" charset="-122"/>
+                <a:ea typeface="黑体" panose="02010609060101010101" pitchFamily="49" charset="-122"/>
+              </a:rPr>
+              <a:t>SRS</a:t>
+            </a:r>
+            <a:r>
+              <a:rPr lang="zh-CN" altLang="en-US" sz="2400" dirty="0">
+                <a:solidFill>
+                  <a:schemeClr val="bg1"/>
+                </a:solidFill>
+                <a:latin typeface="黑体" panose="02010609060101010101" pitchFamily="49" charset="-122"/>
+                <a:ea typeface="黑体" panose="02010609060101010101" pitchFamily="49" charset="-122"/>
+              </a:rPr>
+              <a:t>文档的内容</a:t>
+            </a:r>
+            <a:r>
+              <a:rPr lang="zh-CN" altLang="zh-CN" sz="2400" dirty="0">
+                <a:solidFill>
+                  <a:schemeClr val="bg1"/>
+                </a:solidFill>
+                <a:latin typeface="黑体" panose="02010609060101010101" pitchFamily="49" charset="-122"/>
+                <a:ea typeface="黑体" panose="02010609060101010101" pitchFamily="49" charset="-122"/>
+              </a:rPr>
+              <a:t>进行了检查</a:t>
+            </a:r>
+            <a:r>
+              <a:rPr lang="zh-CN" altLang="en-US" sz="2400" dirty="0">
+                <a:solidFill>
+                  <a:schemeClr val="bg1"/>
+                </a:solidFill>
+                <a:latin typeface="黑体" panose="02010609060101010101" pitchFamily="49" charset="-122"/>
+                <a:ea typeface="黑体" panose="02010609060101010101" pitchFamily="49" charset="-122"/>
+              </a:rPr>
+              <a:t>。具体内容可看： </a:t>
+            </a:r>
+            <a:r>
+              <a:rPr lang="en-US" altLang="zh-CN" sz="2400" dirty="0">
+                <a:solidFill>
+                  <a:schemeClr val="bg1"/>
+                </a:solidFill>
+                <a:latin typeface="黑体" panose="02010609060101010101" pitchFamily="49" charset="-122"/>
+                <a:ea typeface="黑体" panose="02010609060101010101" pitchFamily="49" charset="-122"/>
+              </a:rPr>
+              <a:t>&lt;&lt;PRD2018—G15</a:t>
+            </a:r>
+            <a:r>
+              <a:rPr lang="zh-CN" altLang="en-US" sz="2400" dirty="0">
+                <a:solidFill>
+                  <a:schemeClr val="bg1"/>
+                </a:solidFill>
+                <a:latin typeface="黑体" panose="02010609060101010101" pitchFamily="49" charset="-122"/>
+                <a:ea typeface="黑体" panose="02010609060101010101" pitchFamily="49" charset="-122"/>
+              </a:rPr>
+              <a:t>小组</a:t>
+            </a:r>
+            <a:r>
+              <a:rPr lang="en-US" altLang="zh-CN" sz="2400" dirty="0">
+                <a:solidFill>
+                  <a:schemeClr val="bg1"/>
+                </a:solidFill>
+                <a:latin typeface="黑体" panose="02010609060101010101" pitchFamily="49" charset="-122"/>
+                <a:ea typeface="黑体" panose="02010609060101010101" pitchFamily="49" charset="-122"/>
+              </a:rPr>
+              <a:t>SRS</a:t>
+            </a:r>
+            <a:r>
+              <a:rPr lang="zh-CN" altLang="en-US" sz="2400" dirty="0">
+                <a:solidFill>
+                  <a:schemeClr val="bg1"/>
+                </a:solidFill>
+                <a:latin typeface="黑体" panose="02010609060101010101" pitchFamily="49" charset="-122"/>
+                <a:ea typeface="黑体" panose="02010609060101010101" pitchFamily="49" charset="-122"/>
+              </a:rPr>
+              <a:t>组内评审会议 </a:t>
+            </a:r>
+            <a:r>
+              <a:rPr lang="en-US" altLang="zh-CN" sz="2400" dirty="0">
+                <a:solidFill>
+                  <a:schemeClr val="bg1"/>
+                </a:solidFill>
+                <a:latin typeface="黑体" panose="02010609060101010101" pitchFamily="49" charset="-122"/>
+                <a:ea typeface="黑体" panose="02010609060101010101" pitchFamily="49" charset="-122"/>
+              </a:rPr>
+              <a:t>&gt;&gt;</a:t>
+            </a:r>
+            <a:r>
+              <a:rPr lang="zh-CN" altLang="en-US" sz="2400" dirty="0">
+                <a:solidFill>
+                  <a:schemeClr val="bg1"/>
+                </a:solidFill>
+                <a:latin typeface="黑体" panose="02010609060101010101" pitchFamily="49" charset="-122"/>
+                <a:ea typeface="黑体" panose="02010609060101010101" pitchFamily="49" charset="-122"/>
+              </a:rPr>
+              <a:t>文档或者录音</a:t>
+            </a:r>
+          </a:p>
+        </p:txBody>
+      </p:sp>
     </p:spTree>
     <p:extLst>
       <p:ext uri="{BB962C8B-B14F-4D97-AF65-F5344CB8AC3E}">
@@ -2740,7 +2778,7 @@
 </p:sld>
 </file>
 
-<file path=ppt/slides/slide6.xml><?xml version="1.0" encoding="utf-8"?>
+<file path=ppt/slides/slide5.xml><?xml version="1.0" encoding="utf-8"?>
 <p:sld xmlns:a="http://schemas.openxmlformats.org/drawingml/2006/main" xmlns:r="http://schemas.openxmlformats.org/officeDocument/2006/relationships" xmlns:p="http://schemas.openxmlformats.org/presentationml/2006/main">
   <p:cSld>
     <p:spTree>
@@ -3135,7 +3173,7 @@
 </p:sld>
 </file>
 
-<file path=ppt/slides/slide7.xml><?xml version="1.0" encoding="utf-8"?>
+<file path=ppt/slides/slide6.xml><?xml version="1.0" encoding="utf-8"?>
 <p:sld xmlns:a="http://schemas.openxmlformats.org/drawingml/2006/main" xmlns:r="http://schemas.openxmlformats.org/officeDocument/2006/relationships" xmlns:p="http://schemas.openxmlformats.org/presentationml/2006/main">
   <p:cSld>
     <p:spTree>
